--- a/git_용어.pptx
+++ b/git_용어.pptx
@@ -104,6 +104,22 @@
       </a:defRPr>
     </a:lvl9pPr>
   </p:defaultTextStyle>
+  <p:extLst>
+    <p:ext uri="{EFAFB233-063F-42B5-8137-9DF3F51BA10A}">
+      <p15:sldGuideLst xmlns:p15="http://schemas.microsoft.com/office/powerpoint/2012/main">
+        <p15:guide id="1" orient="horz" pos="2160">
+          <p15:clr>
+            <a:srgbClr val="A4A3A4"/>
+          </p15:clr>
+        </p15:guide>
+        <p15:guide id="2" pos="2880">
+          <p15:clr>
+            <a:srgbClr val="A4A3A4"/>
+          </p15:clr>
+        </p15:guide>
+      </p15:sldGuideLst>
+    </p:ext>
+  </p:extLst>
 </p:presentation>
 </file>
 
@@ -145,10 +161,9 @@
           <a:lstStyle/>
           <a:p>
             <a:r>
-              <a:rPr lang="ko-KR" altLang="en-US" smtClean="0"/>
+              <a:rPr lang="ko-KR" altLang="en-US"/>
               <a:t>마스터 제목 스타일 편집</a:t>
             </a:r>
-            <a:endParaRPr lang="ko-KR" altLang="en-US"/>
           </a:p>
         </p:txBody>
       </p:sp>
@@ -264,10 +279,9 @@
           </a:lstStyle>
           <a:p>
             <a:r>
-              <a:rPr lang="ko-KR" altLang="en-US" smtClean="0"/>
+              <a:rPr lang="ko-KR" altLang="en-US"/>
               <a:t>마스터 부제목 스타일 편집</a:t>
             </a:r>
-            <a:endParaRPr lang="ko-KR" altLang="en-US"/>
           </a:p>
         </p:txBody>
       </p:sp>
@@ -377,10 +391,9 @@
           <a:lstStyle/>
           <a:p>
             <a:r>
-              <a:rPr lang="ko-KR" altLang="en-US" smtClean="0"/>
+              <a:rPr lang="ko-KR" altLang="en-US"/>
               <a:t>마스터 제목 스타일 편집</a:t>
             </a:r>
-            <a:endParaRPr lang="ko-KR" altLang="en-US"/>
           </a:p>
         </p:txBody>
       </p:sp>
@@ -401,38 +414,37 @@
           <a:p>
             <a:pPr lvl="0"/>
             <a:r>
-              <a:rPr lang="ko-KR" altLang="en-US" smtClean="0"/>
+              <a:rPr lang="ko-KR" altLang="en-US"/>
               <a:t>마스터 텍스트 스타일을 편집합니다</a:t>
             </a:r>
           </a:p>
           <a:p>
             <a:pPr lvl="1"/>
             <a:r>
-              <a:rPr lang="ko-KR" altLang="en-US" smtClean="0"/>
+              <a:rPr lang="ko-KR" altLang="en-US"/>
               <a:t>둘째 수준</a:t>
             </a:r>
           </a:p>
           <a:p>
             <a:pPr lvl="2"/>
             <a:r>
-              <a:rPr lang="ko-KR" altLang="en-US" smtClean="0"/>
+              <a:rPr lang="ko-KR" altLang="en-US"/>
               <a:t>셋째 수준</a:t>
             </a:r>
           </a:p>
           <a:p>
             <a:pPr lvl="3"/>
             <a:r>
-              <a:rPr lang="ko-KR" altLang="en-US" smtClean="0"/>
+              <a:rPr lang="ko-KR" altLang="en-US"/>
               <a:t>넷째 수준</a:t>
             </a:r>
           </a:p>
           <a:p>
             <a:pPr lvl="4"/>
             <a:r>
-              <a:rPr lang="ko-KR" altLang="en-US" smtClean="0"/>
+              <a:rPr lang="ko-KR" altLang="en-US"/>
               <a:t>다섯째 수준</a:t>
             </a:r>
-            <a:endParaRPr lang="ko-KR" altLang="en-US"/>
           </a:p>
         </p:txBody>
       </p:sp>
@@ -547,10 +559,9 @@
           <a:lstStyle/>
           <a:p>
             <a:r>
-              <a:rPr lang="ko-KR" altLang="en-US" smtClean="0"/>
+              <a:rPr lang="ko-KR" altLang="en-US"/>
               <a:t>마스터 제목 스타일 편집</a:t>
             </a:r>
-            <a:endParaRPr lang="ko-KR" altLang="en-US"/>
           </a:p>
         </p:txBody>
       </p:sp>
@@ -576,38 +587,37 @@
           <a:p>
             <a:pPr lvl="0"/>
             <a:r>
-              <a:rPr lang="ko-KR" altLang="en-US" smtClean="0"/>
+              <a:rPr lang="ko-KR" altLang="en-US"/>
               <a:t>마스터 텍스트 스타일을 편집합니다</a:t>
             </a:r>
           </a:p>
           <a:p>
             <a:pPr lvl="1"/>
             <a:r>
-              <a:rPr lang="ko-KR" altLang="en-US" smtClean="0"/>
+              <a:rPr lang="ko-KR" altLang="en-US"/>
               <a:t>둘째 수준</a:t>
             </a:r>
           </a:p>
           <a:p>
             <a:pPr lvl="2"/>
             <a:r>
-              <a:rPr lang="ko-KR" altLang="en-US" smtClean="0"/>
+              <a:rPr lang="ko-KR" altLang="en-US"/>
               <a:t>셋째 수준</a:t>
             </a:r>
           </a:p>
           <a:p>
             <a:pPr lvl="3"/>
             <a:r>
-              <a:rPr lang="ko-KR" altLang="en-US" smtClean="0"/>
+              <a:rPr lang="ko-KR" altLang="en-US"/>
               <a:t>넷째 수준</a:t>
             </a:r>
           </a:p>
           <a:p>
             <a:pPr lvl="4"/>
             <a:r>
-              <a:rPr lang="ko-KR" altLang="en-US" smtClean="0"/>
+              <a:rPr lang="ko-KR" altLang="en-US"/>
               <a:t>다섯째 수준</a:t>
             </a:r>
-            <a:endParaRPr lang="ko-KR" altLang="en-US"/>
           </a:p>
         </p:txBody>
       </p:sp>
@@ -717,10 +727,9 @@
           <a:lstStyle/>
           <a:p>
             <a:r>
-              <a:rPr lang="ko-KR" altLang="en-US" smtClean="0"/>
+              <a:rPr lang="ko-KR" altLang="en-US"/>
               <a:t>마스터 제목 스타일 편집</a:t>
             </a:r>
-            <a:endParaRPr lang="ko-KR" altLang="en-US"/>
           </a:p>
         </p:txBody>
       </p:sp>
@@ -741,38 +750,37 @@
           <a:p>
             <a:pPr lvl="0"/>
             <a:r>
-              <a:rPr lang="ko-KR" altLang="en-US" smtClean="0"/>
+              <a:rPr lang="ko-KR" altLang="en-US"/>
               <a:t>마스터 텍스트 스타일을 편집합니다</a:t>
             </a:r>
           </a:p>
           <a:p>
             <a:pPr lvl="1"/>
             <a:r>
-              <a:rPr lang="ko-KR" altLang="en-US" smtClean="0"/>
+              <a:rPr lang="ko-KR" altLang="en-US"/>
               <a:t>둘째 수준</a:t>
             </a:r>
           </a:p>
           <a:p>
             <a:pPr lvl="2"/>
             <a:r>
-              <a:rPr lang="ko-KR" altLang="en-US" smtClean="0"/>
+              <a:rPr lang="ko-KR" altLang="en-US"/>
               <a:t>셋째 수준</a:t>
             </a:r>
           </a:p>
           <a:p>
             <a:pPr lvl="3"/>
             <a:r>
-              <a:rPr lang="ko-KR" altLang="en-US" smtClean="0"/>
+              <a:rPr lang="ko-KR" altLang="en-US"/>
               <a:t>넷째 수준</a:t>
             </a:r>
           </a:p>
           <a:p>
             <a:pPr lvl="4"/>
             <a:r>
-              <a:rPr lang="ko-KR" altLang="en-US" smtClean="0"/>
+              <a:rPr lang="ko-KR" altLang="en-US"/>
               <a:t>다섯째 수준</a:t>
             </a:r>
-            <a:endParaRPr lang="ko-KR" altLang="en-US"/>
           </a:p>
         </p:txBody>
       </p:sp>
@@ -891,10 +899,9 @@
           </a:lstStyle>
           <a:p>
             <a:r>
-              <a:rPr lang="ko-KR" altLang="en-US" smtClean="0"/>
+              <a:rPr lang="ko-KR" altLang="en-US"/>
               <a:t>마스터 제목 스타일 편집</a:t>
             </a:r>
-            <a:endParaRPr lang="ko-KR" altLang="en-US"/>
           </a:p>
         </p:txBody>
       </p:sp>
@@ -1011,7 +1018,7 @@
           <a:p>
             <a:pPr lvl="0"/>
             <a:r>
-              <a:rPr lang="ko-KR" altLang="en-US" smtClean="0"/>
+              <a:rPr lang="ko-KR" altLang="en-US"/>
               <a:t>마스터 텍스트 스타일을 편집합니다</a:t>
             </a:r>
           </a:p>
@@ -1123,10 +1130,9 @@
           <a:lstStyle/>
           <a:p>
             <a:r>
-              <a:rPr lang="ko-KR" altLang="en-US" smtClean="0"/>
+              <a:rPr lang="ko-KR" altLang="en-US"/>
               <a:t>마스터 제목 스타일 편집</a:t>
             </a:r>
-            <a:endParaRPr lang="ko-KR" altLang="en-US"/>
           </a:p>
         </p:txBody>
       </p:sp>
@@ -1180,38 +1186,37 @@
           <a:p>
             <a:pPr lvl="0"/>
             <a:r>
-              <a:rPr lang="ko-KR" altLang="en-US" smtClean="0"/>
+              <a:rPr lang="ko-KR" altLang="en-US"/>
               <a:t>마스터 텍스트 스타일을 편집합니다</a:t>
             </a:r>
           </a:p>
           <a:p>
             <a:pPr lvl="1"/>
             <a:r>
-              <a:rPr lang="ko-KR" altLang="en-US" smtClean="0"/>
+              <a:rPr lang="ko-KR" altLang="en-US"/>
               <a:t>둘째 수준</a:t>
             </a:r>
           </a:p>
           <a:p>
             <a:pPr lvl="2"/>
             <a:r>
-              <a:rPr lang="ko-KR" altLang="en-US" smtClean="0"/>
+              <a:rPr lang="ko-KR" altLang="en-US"/>
               <a:t>셋째 수준</a:t>
             </a:r>
           </a:p>
           <a:p>
             <a:pPr lvl="3"/>
             <a:r>
-              <a:rPr lang="ko-KR" altLang="en-US" smtClean="0"/>
+              <a:rPr lang="ko-KR" altLang="en-US"/>
               <a:t>넷째 수준</a:t>
             </a:r>
           </a:p>
           <a:p>
             <a:pPr lvl="4"/>
             <a:r>
-              <a:rPr lang="ko-KR" altLang="en-US" smtClean="0"/>
+              <a:rPr lang="ko-KR" altLang="en-US"/>
               <a:t>다섯째 수준</a:t>
             </a:r>
-            <a:endParaRPr lang="ko-KR" altLang="en-US"/>
           </a:p>
         </p:txBody>
       </p:sp>
@@ -1265,38 +1270,37 @@
           <a:p>
             <a:pPr lvl="0"/>
             <a:r>
-              <a:rPr lang="ko-KR" altLang="en-US" smtClean="0"/>
+              <a:rPr lang="ko-KR" altLang="en-US"/>
               <a:t>마스터 텍스트 스타일을 편집합니다</a:t>
             </a:r>
           </a:p>
           <a:p>
             <a:pPr lvl="1"/>
             <a:r>
-              <a:rPr lang="ko-KR" altLang="en-US" smtClean="0"/>
+              <a:rPr lang="ko-KR" altLang="en-US"/>
               <a:t>둘째 수준</a:t>
             </a:r>
           </a:p>
           <a:p>
             <a:pPr lvl="2"/>
             <a:r>
-              <a:rPr lang="ko-KR" altLang="en-US" smtClean="0"/>
+              <a:rPr lang="ko-KR" altLang="en-US"/>
               <a:t>셋째 수준</a:t>
             </a:r>
           </a:p>
           <a:p>
             <a:pPr lvl="3"/>
             <a:r>
-              <a:rPr lang="ko-KR" altLang="en-US" smtClean="0"/>
+              <a:rPr lang="ko-KR" altLang="en-US"/>
               <a:t>넷째 수준</a:t>
             </a:r>
           </a:p>
           <a:p>
             <a:pPr lvl="4"/>
             <a:r>
-              <a:rPr lang="ko-KR" altLang="en-US" smtClean="0"/>
+              <a:rPr lang="ko-KR" altLang="en-US"/>
               <a:t>다섯째 수준</a:t>
             </a:r>
-            <a:endParaRPr lang="ko-KR" altLang="en-US"/>
           </a:p>
         </p:txBody>
       </p:sp>
@@ -1410,10 +1414,9 @@
           </a:lstStyle>
           <a:p>
             <a:r>
-              <a:rPr lang="ko-KR" altLang="en-US" smtClean="0"/>
+              <a:rPr lang="ko-KR" altLang="en-US"/>
               <a:t>마스터 제목 스타일 편집</a:t>
             </a:r>
-            <a:endParaRPr lang="ko-KR" altLang="en-US"/>
           </a:p>
         </p:txBody>
       </p:sp>
@@ -1476,7 +1479,7 @@
           <a:p>
             <a:pPr lvl="0"/>
             <a:r>
-              <a:rPr lang="ko-KR" altLang="en-US" smtClean="0"/>
+              <a:rPr lang="ko-KR" altLang="en-US"/>
               <a:t>마스터 텍스트 스타일을 편집합니다</a:t>
             </a:r>
           </a:p>
@@ -1532,38 +1535,37 @@
           <a:p>
             <a:pPr lvl="0"/>
             <a:r>
-              <a:rPr lang="ko-KR" altLang="en-US" smtClean="0"/>
+              <a:rPr lang="ko-KR" altLang="en-US"/>
               <a:t>마스터 텍스트 스타일을 편집합니다</a:t>
             </a:r>
           </a:p>
           <a:p>
             <a:pPr lvl="1"/>
             <a:r>
-              <a:rPr lang="ko-KR" altLang="en-US" smtClean="0"/>
+              <a:rPr lang="ko-KR" altLang="en-US"/>
               <a:t>둘째 수준</a:t>
             </a:r>
           </a:p>
           <a:p>
             <a:pPr lvl="2"/>
             <a:r>
-              <a:rPr lang="ko-KR" altLang="en-US" smtClean="0"/>
+              <a:rPr lang="ko-KR" altLang="en-US"/>
               <a:t>셋째 수준</a:t>
             </a:r>
           </a:p>
           <a:p>
             <a:pPr lvl="3"/>
             <a:r>
-              <a:rPr lang="ko-KR" altLang="en-US" smtClean="0"/>
+              <a:rPr lang="ko-KR" altLang="en-US"/>
               <a:t>넷째 수준</a:t>
             </a:r>
           </a:p>
           <a:p>
             <a:pPr lvl="4"/>
             <a:r>
-              <a:rPr lang="ko-KR" altLang="en-US" smtClean="0"/>
+              <a:rPr lang="ko-KR" altLang="en-US"/>
               <a:t>다섯째 수준</a:t>
             </a:r>
-            <a:endParaRPr lang="ko-KR" altLang="en-US"/>
           </a:p>
         </p:txBody>
       </p:sp>
@@ -1626,7 +1628,7 @@
           <a:p>
             <a:pPr lvl="0"/>
             <a:r>
-              <a:rPr lang="ko-KR" altLang="en-US" smtClean="0"/>
+              <a:rPr lang="ko-KR" altLang="en-US"/>
               <a:t>마스터 텍스트 스타일을 편집합니다</a:t>
             </a:r>
           </a:p>
@@ -1682,38 +1684,37 @@
           <a:p>
             <a:pPr lvl="0"/>
             <a:r>
-              <a:rPr lang="ko-KR" altLang="en-US" smtClean="0"/>
+              <a:rPr lang="ko-KR" altLang="en-US"/>
               <a:t>마스터 텍스트 스타일을 편집합니다</a:t>
             </a:r>
           </a:p>
           <a:p>
             <a:pPr lvl="1"/>
             <a:r>
-              <a:rPr lang="ko-KR" altLang="en-US" smtClean="0"/>
+              <a:rPr lang="ko-KR" altLang="en-US"/>
               <a:t>둘째 수준</a:t>
             </a:r>
           </a:p>
           <a:p>
             <a:pPr lvl="2"/>
             <a:r>
-              <a:rPr lang="ko-KR" altLang="en-US" smtClean="0"/>
+              <a:rPr lang="ko-KR" altLang="en-US"/>
               <a:t>셋째 수준</a:t>
             </a:r>
           </a:p>
           <a:p>
             <a:pPr lvl="3"/>
             <a:r>
-              <a:rPr lang="ko-KR" altLang="en-US" smtClean="0"/>
+              <a:rPr lang="ko-KR" altLang="en-US"/>
               <a:t>넷째 수준</a:t>
             </a:r>
           </a:p>
           <a:p>
             <a:pPr lvl="4"/>
             <a:r>
-              <a:rPr lang="ko-KR" altLang="en-US" smtClean="0"/>
+              <a:rPr lang="ko-KR" altLang="en-US"/>
               <a:t>다섯째 수준</a:t>
             </a:r>
-            <a:endParaRPr lang="ko-KR" altLang="en-US"/>
           </a:p>
         </p:txBody>
       </p:sp>
@@ -1823,10 +1824,9 @@
           <a:lstStyle/>
           <a:p>
             <a:r>
-              <a:rPr lang="ko-KR" altLang="en-US" smtClean="0"/>
+              <a:rPr lang="ko-KR" altLang="en-US"/>
               <a:t>마스터 제목 스타일 편집</a:t>
             </a:r>
-            <a:endParaRPr lang="ko-KR" altLang="en-US"/>
           </a:p>
         </p:txBody>
       </p:sp>
@@ -2035,10 +2035,9 @@
           </a:lstStyle>
           <a:p>
             <a:r>
-              <a:rPr lang="ko-KR" altLang="en-US" smtClean="0"/>
+              <a:rPr lang="ko-KR" altLang="en-US"/>
               <a:t>마스터 제목 스타일 편집</a:t>
             </a:r>
-            <a:endParaRPr lang="ko-KR" altLang="en-US"/>
           </a:p>
         </p:txBody>
       </p:sp>
@@ -2092,38 +2091,37 @@
           <a:p>
             <a:pPr lvl="0"/>
             <a:r>
-              <a:rPr lang="ko-KR" altLang="en-US" smtClean="0"/>
+              <a:rPr lang="ko-KR" altLang="en-US"/>
               <a:t>마스터 텍스트 스타일을 편집합니다</a:t>
             </a:r>
           </a:p>
           <a:p>
             <a:pPr lvl="1"/>
             <a:r>
-              <a:rPr lang="ko-KR" altLang="en-US" smtClean="0"/>
+              <a:rPr lang="ko-KR" altLang="en-US"/>
               <a:t>둘째 수준</a:t>
             </a:r>
           </a:p>
           <a:p>
             <a:pPr lvl="2"/>
             <a:r>
-              <a:rPr lang="ko-KR" altLang="en-US" smtClean="0"/>
+              <a:rPr lang="ko-KR" altLang="en-US"/>
               <a:t>셋째 수준</a:t>
             </a:r>
           </a:p>
           <a:p>
             <a:pPr lvl="3"/>
             <a:r>
-              <a:rPr lang="ko-KR" altLang="en-US" smtClean="0"/>
+              <a:rPr lang="ko-KR" altLang="en-US"/>
               <a:t>넷째 수준</a:t>
             </a:r>
           </a:p>
           <a:p>
             <a:pPr lvl="4"/>
             <a:r>
-              <a:rPr lang="ko-KR" altLang="en-US" smtClean="0"/>
+              <a:rPr lang="ko-KR" altLang="en-US"/>
               <a:t>다섯째 수준</a:t>
             </a:r>
-            <a:endParaRPr lang="ko-KR" altLang="en-US"/>
           </a:p>
         </p:txBody>
       </p:sp>
@@ -2186,7 +2184,7 @@
           <a:p>
             <a:pPr lvl="0"/>
             <a:r>
-              <a:rPr lang="ko-KR" altLang="en-US" smtClean="0"/>
+              <a:rPr lang="ko-KR" altLang="en-US"/>
               <a:t>마스터 텍스트 스타일을 편집합니다</a:t>
             </a:r>
           </a:p>
@@ -2307,10 +2305,9 @@
           </a:lstStyle>
           <a:p>
             <a:r>
-              <a:rPr lang="ko-KR" altLang="en-US" smtClean="0"/>
+              <a:rPr lang="ko-KR" altLang="en-US"/>
               <a:t>마스터 제목 스타일 편집</a:t>
             </a:r>
-            <a:endParaRPr lang="ko-KR" altLang="en-US"/>
           </a:p>
         </p:txBody>
       </p:sp>
@@ -2434,7 +2431,7 @@
           <a:p>
             <a:pPr lvl="0"/>
             <a:r>
-              <a:rPr lang="ko-KR" altLang="en-US" smtClean="0"/>
+              <a:rPr lang="ko-KR" altLang="en-US"/>
               <a:t>마스터 텍스트 스타일을 편집합니다</a:t>
             </a:r>
           </a:p>
@@ -2561,10 +2558,9 @@
           <a:lstStyle/>
           <a:p>
             <a:r>
-              <a:rPr lang="ko-KR" altLang="en-US" smtClean="0"/>
+              <a:rPr lang="ko-KR" altLang="en-US"/>
               <a:t>마스터 제목 스타일 편집</a:t>
             </a:r>
-            <a:endParaRPr lang="ko-KR" altLang="en-US"/>
           </a:p>
         </p:txBody>
       </p:sp>
@@ -2595,38 +2591,37 @@
           <a:p>
             <a:pPr lvl="0"/>
             <a:r>
-              <a:rPr lang="ko-KR" altLang="en-US" smtClean="0"/>
+              <a:rPr lang="ko-KR" altLang="en-US"/>
               <a:t>마스터 텍스트 스타일을 편집합니다</a:t>
             </a:r>
           </a:p>
           <a:p>
             <a:pPr lvl="1"/>
             <a:r>
-              <a:rPr lang="ko-KR" altLang="en-US" smtClean="0"/>
+              <a:rPr lang="ko-KR" altLang="en-US"/>
               <a:t>둘째 수준</a:t>
             </a:r>
           </a:p>
           <a:p>
             <a:pPr lvl="2"/>
             <a:r>
-              <a:rPr lang="ko-KR" altLang="en-US" smtClean="0"/>
+              <a:rPr lang="ko-KR" altLang="en-US"/>
               <a:t>셋째 수준</a:t>
             </a:r>
           </a:p>
           <a:p>
             <a:pPr lvl="3"/>
             <a:r>
-              <a:rPr lang="ko-KR" altLang="en-US" smtClean="0"/>
+              <a:rPr lang="ko-KR" altLang="en-US"/>
               <a:t>넷째 수준</a:t>
             </a:r>
           </a:p>
           <a:p>
             <a:pPr lvl="4"/>
             <a:r>
-              <a:rPr lang="ko-KR" altLang="en-US" smtClean="0"/>
+              <a:rPr lang="ko-KR" altLang="en-US"/>
               <a:t>다섯째 수준</a:t>
             </a:r>
-            <a:endParaRPr lang="ko-KR" altLang="en-US"/>
           </a:p>
         </p:txBody>
       </p:sp>
@@ -3037,18 +3032,30 @@
       </p:grpSpPr>
       <p:sp>
         <p:nvSpPr>
-          <p:cNvPr id="9" name="직사각형 8"/>
+          <p:cNvPr id="4" name="직사각형 3">
+            <a:extLst>
+              <a:ext uri="{FF2B5EF4-FFF2-40B4-BE49-F238E27FC236}">
+                <a16:creationId xmlns:a16="http://schemas.microsoft.com/office/drawing/2014/main" id="{C3AFF81D-CD54-4B75-80E8-0196C628EB21}"/>
+              </a:ext>
+            </a:extLst>
+          </p:cNvPr>
           <p:cNvSpPr/>
           <p:nvPr/>
         </p:nvSpPr>
         <p:spPr>
           <a:xfrm>
-            <a:off x="0" y="3286124"/>
-            <a:ext cx="9144000" cy="3571876"/>
+            <a:off x="0" y="0"/>
+            <a:ext cx="6676126" cy="3058625"/>
           </a:xfrm>
           <a:prstGeom prst="rect">
             <a:avLst/>
           </a:prstGeom>
+          <a:solidFill>
+            <a:schemeClr val="accent5">
+              <a:lumMod val="60000"/>
+              <a:lumOff val="40000"/>
+            </a:schemeClr>
+          </a:solidFill>
         </p:spPr>
         <p:style>
           <a:lnRef idx="2">
@@ -3077,86 +3084,18 @@
       </p:sp>
       <p:sp>
         <p:nvSpPr>
-          <p:cNvPr id="10" name="TextBox 9"/>
-          <p:cNvSpPr txBox="1"/>
+          <p:cNvPr id="9" name="직사각형 8"/>
+          <p:cNvSpPr/>
           <p:nvPr/>
         </p:nvSpPr>
         <p:spPr>
           <a:xfrm>
-            <a:off x="3214678" y="2857496"/>
-            <a:ext cx="2459519" cy="369332"/>
+            <a:off x="0" y="3262441"/>
+            <a:ext cx="6676126" cy="3571876"/>
           </a:xfrm>
           <a:prstGeom prst="rect">
             <a:avLst/>
           </a:prstGeom>
-          <a:noFill/>
-        </p:spPr>
-        <p:txBody>
-          <a:bodyPr wrap="none" rtlCol="0">
-            <a:spAutoFit/>
-          </a:bodyPr>
-          <a:lstStyle/>
-          <a:p>
-            <a:r>
-              <a:rPr lang="en-US" altLang="ko-KR" dirty="0" smtClean="0"/>
-              <a:t>REMOTE REPOSITORY</a:t>
-            </a:r>
-            <a:endParaRPr lang="ko-KR" altLang="en-US" dirty="0"/>
-          </a:p>
-        </p:txBody>
-      </p:sp>
-      <p:sp>
-        <p:nvSpPr>
-          <p:cNvPr id="11" name="TextBox 10"/>
-          <p:cNvSpPr txBox="1"/>
-          <p:nvPr/>
-        </p:nvSpPr>
-        <p:spPr>
-          <a:xfrm>
-            <a:off x="3357554" y="3357562"/>
-            <a:ext cx="2268121" cy="369332"/>
-          </a:xfrm>
-          <a:prstGeom prst="rect">
-            <a:avLst/>
-          </a:prstGeom>
-          <a:noFill/>
-        </p:spPr>
-        <p:txBody>
-          <a:bodyPr wrap="none" rtlCol="0">
-            <a:spAutoFit/>
-          </a:bodyPr>
-          <a:lstStyle/>
-          <a:p>
-            <a:r>
-              <a:rPr lang="en-US" altLang="ko-KR" dirty="0" smtClean="0"/>
-              <a:t>LOCAL REPOSITORY</a:t>
-            </a:r>
-            <a:endParaRPr lang="ko-KR" altLang="en-US" dirty="0"/>
-          </a:p>
-        </p:txBody>
-      </p:sp>
-      <p:sp>
-        <p:nvSpPr>
-          <p:cNvPr id="12" name="타원 11"/>
-          <p:cNvSpPr/>
-          <p:nvPr/>
-        </p:nvSpPr>
-        <p:spPr>
-          <a:xfrm>
-            <a:off x="571472" y="357166"/>
-            <a:ext cx="2286016" cy="2071702"/>
-          </a:xfrm>
-          <a:prstGeom prst="ellipse">
-            <a:avLst/>
-          </a:prstGeom>
-          <a:solidFill>
-            <a:srgbClr val="7030A0"/>
-          </a:solidFill>
-          <a:ln>
-            <a:solidFill>
-              <a:srgbClr val="7030A0"/>
-            </a:solidFill>
-          </a:ln>
         </p:spPr>
         <p:style>
           <a:lnRef idx="2">
@@ -3179,20 +3118,20 @@
           <a:lstStyle/>
           <a:p>
             <a:pPr algn="ctr"/>
-            <a:endParaRPr lang="ko-KR" altLang="en-US" dirty="0"/>
-          </a:p>
-        </p:txBody>
-      </p:sp>
-      <p:sp>
-        <p:nvSpPr>
-          <p:cNvPr id="13" name="TextBox 12"/>
+            <a:endParaRPr lang="ko-KR" altLang="en-US"/>
+          </a:p>
+        </p:txBody>
+      </p:sp>
+      <p:sp>
+        <p:nvSpPr>
+          <p:cNvPr id="10" name="TextBox 9"/>
           <p:cNvSpPr txBox="1"/>
           <p:nvPr/>
         </p:nvSpPr>
         <p:spPr>
           <a:xfrm>
-            <a:off x="1142976" y="1785926"/>
-            <a:ext cx="1101584" cy="646331"/>
+            <a:off x="680718" y="2689293"/>
+            <a:ext cx="2459519" cy="369332"/>
           </a:xfrm>
           <a:prstGeom prst="rect">
             <a:avLst/>
@@ -3200,20 +3139,14 @@
           <a:noFill/>
         </p:spPr>
         <p:txBody>
-          <a:bodyPr wrap="none" rtlCol="0">
+          <a:bodyPr wrap="square" rtlCol="0">
             <a:spAutoFit/>
           </a:bodyPr>
           <a:lstStyle/>
           <a:p>
             <a:r>
-              <a:rPr lang="en-US" altLang="ko-KR" dirty="0" smtClean="0"/>
-              <a:t>MASTER</a:t>
-            </a:r>
-          </a:p>
-          <a:p>
-            <a:r>
-              <a:rPr lang="en-US" altLang="ko-KR" dirty="0" smtClean="0"/>
-              <a:t>BRANCH</a:t>
+              <a:rPr lang="en-US" altLang="ko-KR" dirty="0"/>
+              <a:t>REMOTE REPOSITORY</a:t>
             </a:r>
             <a:endParaRPr lang="ko-KR" altLang="en-US" dirty="0"/>
           </a:p>
@@ -3221,14 +3154,44 @@
       </p:sp>
       <p:sp>
         <p:nvSpPr>
-          <p:cNvPr id="14" name="타원 13"/>
+          <p:cNvPr id="11" name="TextBox 10"/>
+          <p:cNvSpPr txBox="1"/>
+          <p:nvPr/>
+        </p:nvSpPr>
+        <p:spPr>
+          <a:xfrm>
+            <a:off x="823594" y="3189359"/>
+            <a:ext cx="2268121" cy="369332"/>
+          </a:xfrm>
+          <a:prstGeom prst="rect">
+            <a:avLst/>
+          </a:prstGeom>
+          <a:noFill/>
+        </p:spPr>
+        <p:txBody>
+          <a:bodyPr wrap="square" rtlCol="0">
+            <a:spAutoFit/>
+          </a:bodyPr>
+          <a:lstStyle/>
+          <a:p>
+            <a:r>
+              <a:rPr lang="en-US" altLang="ko-KR" dirty="0"/>
+              <a:t>LOCAL REPOSITORY</a:t>
+            </a:r>
+            <a:endParaRPr lang="ko-KR" altLang="en-US" dirty="0"/>
+          </a:p>
+        </p:txBody>
+      </p:sp>
+      <p:sp>
+        <p:nvSpPr>
+          <p:cNvPr id="12" name="타원 11"/>
           <p:cNvSpPr/>
           <p:nvPr/>
         </p:nvSpPr>
         <p:spPr>
           <a:xfrm>
-            <a:off x="714348" y="4071942"/>
-            <a:ext cx="2286016" cy="2071702"/>
+            <a:off x="73937" y="80211"/>
+            <a:ext cx="1262897" cy="1262613"/>
           </a:xfrm>
           <a:prstGeom prst="ellipse">
             <a:avLst/>
@@ -3269,14 +3232,14 @@
       </p:sp>
       <p:sp>
         <p:nvSpPr>
-          <p:cNvPr id="15" name="TextBox 14"/>
+          <p:cNvPr id="13" name="TextBox 12"/>
           <p:cNvSpPr txBox="1"/>
           <p:nvPr/>
         </p:nvSpPr>
         <p:spPr>
           <a:xfrm>
-            <a:off x="1285852" y="5500702"/>
-            <a:ext cx="1101584" cy="646331"/>
+            <a:off x="139772" y="186817"/>
+            <a:ext cx="1144288" cy="642942"/>
           </a:xfrm>
           <a:prstGeom prst="rect">
             <a:avLst/>
@@ -3284,19 +3247,19 @@
           <a:noFill/>
         </p:spPr>
         <p:txBody>
-          <a:bodyPr wrap="none" rtlCol="0">
+          <a:bodyPr wrap="square" rtlCol="0">
             <a:spAutoFit/>
           </a:bodyPr>
           <a:lstStyle/>
           <a:p>
             <a:r>
-              <a:rPr lang="en-US" altLang="ko-KR" dirty="0" smtClean="0"/>
+              <a:rPr lang="en-US" altLang="ko-KR" dirty="0"/>
               <a:t>MASTER</a:t>
             </a:r>
           </a:p>
           <a:p>
             <a:r>
-              <a:rPr lang="en-US" altLang="ko-KR" dirty="0" smtClean="0"/>
+              <a:rPr lang="en-US" altLang="ko-KR" dirty="0"/>
               <a:t>BRANCH</a:t>
             </a:r>
             <a:endParaRPr lang="ko-KR" altLang="en-US" dirty="0"/>
@@ -3311,7 +3274,7 @@
         </p:nvSpPr>
         <p:spPr>
           <a:xfrm>
-            <a:off x="3500430" y="357166"/>
+            <a:off x="966470" y="188963"/>
             <a:ext cx="2286016" cy="2071702"/>
           </a:xfrm>
           <a:prstGeom prst="ellipse">
@@ -3359,7 +3322,7 @@
         </p:nvSpPr>
         <p:spPr>
           <a:xfrm>
-            <a:off x="4071934" y="1785926"/>
+            <a:off x="1312836" y="1719796"/>
             <a:ext cx="1144288" cy="646331"/>
           </a:xfrm>
           <a:prstGeom prst="rect">
@@ -3368,19 +3331,19 @@
           <a:noFill/>
         </p:spPr>
         <p:txBody>
-          <a:bodyPr wrap="none" rtlCol="0">
+          <a:bodyPr wrap="square" rtlCol="0">
             <a:spAutoFit/>
           </a:bodyPr>
           <a:lstStyle/>
           <a:p>
             <a:r>
-              <a:rPr lang="en-US" altLang="ko-KR" dirty="0" smtClean="0"/>
+              <a:rPr lang="en-US" altLang="ko-KR" dirty="0"/>
               <a:t>DEVELOP</a:t>
             </a:r>
           </a:p>
           <a:p>
             <a:r>
-              <a:rPr lang="en-US" altLang="ko-KR" dirty="0" smtClean="0"/>
+              <a:rPr lang="en-US" altLang="ko-KR" dirty="0"/>
               <a:t>BRANCH</a:t>
             </a:r>
             <a:endParaRPr lang="ko-KR" altLang="en-US" dirty="0"/>
@@ -3395,7 +3358,7 @@
         </p:nvSpPr>
         <p:spPr>
           <a:xfrm>
-            <a:off x="3571868" y="4000504"/>
+            <a:off x="1037908" y="3832301"/>
             <a:ext cx="2286016" cy="2071702"/>
           </a:xfrm>
           <a:prstGeom prst="ellipse">
@@ -3443,7 +3406,7 @@
         </p:nvSpPr>
         <p:spPr>
           <a:xfrm>
-            <a:off x="4143372" y="5429264"/>
+            <a:off x="1609412" y="5261061"/>
             <a:ext cx="1144288" cy="646331"/>
           </a:xfrm>
           <a:prstGeom prst="rect">
@@ -3452,19 +3415,19 @@
           <a:noFill/>
         </p:spPr>
         <p:txBody>
-          <a:bodyPr wrap="none" rtlCol="0">
+          <a:bodyPr wrap="square" rtlCol="0">
             <a:spAutoFit/>
           </a:bodyPr>
           <a:lstStyle/>
           <a:p>
             <a:r>
-              <a:rPr lang="en-US" altLang="ko-KR" dirty="0" smtClean="0"/>
+              <a:rPr lang="en-US" altLang="ko-KR" dirty="0"/>
               <a:t>DEVELOP</a:t>
             </a:r>
           </a:p>
           <a:p>
             <a:r>
-              <a:rPr lang="en-US" altLang="ko-KR" dirty="0" smtClean="0"/>
+              <a:rPr lang="en-US" altLang="ko-KR" dirty="0"/>
               <a:t>BRANCH</a:t>
             </a:r>
             <a:endParaRPr lang="ko-KR" altLang="en-US" dirty="0"/>
@@ -3479,7 +3442,7 @@
         </p:nvSpPr>
         <p:spPr>
           <a:xfrm>
-            <a:off x="6357950" y="357166"/>
+            <a:off x="3823990" y="188963"/>
             <a:ext cx="2286016" cy="2071702"/>
           </a:xfrm>
           <a:prstGeom prst="ellipse">
@@ -3527,7 +3490,7 @@
         </p:nvSpPr>
         <p:spPr>
           <a:xfrm>
-            <a:off x="6929454" y="1785926"/>
+            <a:off x="4395494" y="1617723"/>
             <a:ext cx="1338764" cy="646331"/>
           </a:xfrm>
           <a:prstGeom prst="rect">
@@ -3536,19 +3499,19 @@
           <a:noFill/>
         </p:spPr>
         <p:txBody>
-          <a:bodyPr wrap="none" rtlCol="0">
+          <a:bodyPr wrap="square" rtlCol="0">
             <a:spAutoFit/>
           </a:bodyPr>
           <a:lstStyle/>
           <a:p>
             <a:r>
-              <a:rPr lang="en-US" altLang="ko-KR" dirty="0" smtClean="0"/>
+              <a:rPr lang="en-US" altLang="ko-KR" dirty="0"/>
               <a:t>ANYTHING</a:t>
             </a:r>
           </a:p>
           <a:p>
             <a:r>
-              <a:rPr lang="en-US" altLang="ko-KR" dirty="0" smtClean="0"/>
+              <a:rPr lang="en-US" altLang="ko-KR" dirty="0"/>
               <a:t>BRANCH</a:t>
             </a:r>
             <a:endParaRPr lang="ko-KR" altLang="en-US" dirty="0"/>
@@ -3563,7 +3526,7 @@
         </p:nvSpPr>
         <p:spPr>
           <a:xfrm>
-            <a:off x="6357950" y="4000504"/>
+            <a:off x="3823990" y="3832301"/>
             <a:ext cx="2286016" cy="2071702"/>
           </a:xfrm>
           <a:prstGeom prst="ellipse">
@@ -3611,7 +3574,7 @@
         </p:nvSpPr>
         <p:spPr>
           <a:xfrm>
-            <a:off x="6929454" y="5429264"/>
+            <a:off x="4395494" y="5261061"/>
             <a:ext cx="1338764" cy="646331"/>
           </a:xfrm>
           <a:prstGeom prst="rect">
@@ -3620,19 +3583,19 @@
           <a:noFill/>
         </p:spPr>
         <p:txBody>
-          <a:bodyPr wrap="none" rtlCol="0">
+          <a:bodyPr wrap="square" rtlCol="0">
             <a:spAutoFit/>
           </a:bodyPr>
           <a:lstStyle/>
           <a:p>
             <a:r>
-              <a:rPr lang="en-US" altLang="ko-KR" dirty="0" smtClean="0"/>
+              <a:rPr lang="en-US" altLang="ko-KR" dirty="0"/>
               <a:t>ANYTHING</a:t>
             </a:r>
           </a:p>
           <a:p>
             <a:r>
-              <a:rPr lang="en-US" altLang="ko-KR" dirty="0" smtClean="0"/>
+              <a:rPr lang="en-US" altLang="ko-KR" dirty="0"/>
               <a:t>BRANCH</a:t>
             </a:r>
             <a:endParaRPr lang="ko-KR" altLang="en-US" dirty="0"/>
@@ -3647,8 +3610,8 @@
         </p:nvSpPr>
         <p:spPr>
           <a:xfrm rot="16200000">
-            <a:off x="6500826" y="3000372"/>
-            <a:ext cx="1214446" cy="357190"/>
+            <a:off x="3717867" y="2787339"/>
+            <a:ext cx="1671768" cy="619663"/>
           </a:xfrm>
           <a:prstGeom prst="rightArrow">
             <a:avLst/>
@@ -3676,7 +3639,7 @@
           <a:p>
             <a:pPr algn="ctr"/>
             <a:r>
-              <a:rPr lang="en-US" altLang="ko-KR" dirty="0" smtClean="0"/>
+              <a:rPr lang="en-US" altLang="ko-KR" dirty="0"/>
               <a:t>PUSH</a:t>
             </a:r>
             <a:endParaRPr lang="ko-KR" altLang="en-US" dirty="0"/>
@@ -3685,16 +3648,16 @@
       </p:sp>
       <p:sp>
         <p:nvSpPr>
-          <p:cNvPr id="29" name="왼쪽으로 구부러진 화살표 28"/>
+          <p:cNvPr id="30" name="폭발 1 29"/>
           <p:cNvSpPr/>
           <p:nvPr/>
         </p:nvSpPr>
         <p:spPr>
           <a:xfrm>
-            <a:off x="7858116" y="4786322"/>
-            <a:ext cx="1285884" cy="642942"/>
-          </a:xfrm>
-          <a:prstGeom prst="curvedLeftArrow">
+            <a:off x="4890176" y="10368"/>
+            <a:ext cx="1785950" cy="928694"/>
+          </a:xfrm>
+          <a:prstGeom prst="irregularSeal1">
             <a:avLst/>
           </a:prstGeom>
         </p:spPr>
@@ -3720,33 +3683,25 @@
           <a:p>
             <a:pPr algn="ctr"/>
             <a:r>
-              <a:rPr lang="en-US" altLang="ko-KR" dirty="0" smtClean="0">
-                <a:solidFill>
-                  <a:schemeClr val="bg1"/>
-                </a:solidFill>
-              </a:rPr>
-              <a:t>COMMIT</a:t>
-            </a:r>
-            <a:endParaRPr lang="ko-KR" altLang="en-US" dirty="0">
-              <a:solidFill>
-                <a:schemeClr val="bg1"/>
-              </a:solidFill>
-            </a:endParaRPr>
-          </a:p>
-        </p:txBody>
-      </p:sp>
-      <p:sp>
-        <p:nvSpPr>
-          <p:cNvPr id="30" name="폭발 1 29"/>
+              <a:rPr lang="en-US" altLang="ko-KR" dirty="0"/>
+              <a:t>CREATE</a:t>
+            </a:r>
+            <a:endParaRPr lang="ko-KR" altLang="en-US" dirty="0"/>
+          </a:p>
+        </p:txBody>
+      </p:sp>
+      <p:sp>
+        <p:nvSpPr>
+          <p:cNvPr id="31" name="오른쪽 화살표 30"/>
           <p:cNvSpPr/>
           <p:nvPr/>
         </p:nvSpPr>
         <p:spPr>
-          <a:xfrm>
-            <a:off x="5786446" y="285728"/>
-            <a:ext cx="1785950" cy="928694"/>
-          </a:xfrm>
-          <a:prstGeom prst="irregularSeal1">
+          <a:xfrm rot="5400000">
+            <a:off x="4450140" y="2846497"/>
+            <a:ext cx="1795954" cy="665195"/>
+          </a:xfrm>
+          <a:prstGeom prst="rightArrow">
             <a:avLst/>
           </a:prstGeom>
         </p:spPr>
@@ -3772,8 +3727,8 @@
           <a:p>
             <a:pPr algn="ctr"/>
             <a:r>
-              <a:rPr lang="en-US" altLang="ko-KR" dirty="0" smtClean="0"/>
-              <a:t>CREATE</a:t>
+              <a:rPr lang="en-US" altLang="ko-KR" dirty="0"/>
+              <a:t>PULL</a:t>
             </a:r>
             <a:endParaRPr lang="ko-KR" altLang="en-US" dirty="0"/>
           </a:p>
@@ -3781,14 +3736,14 @@
       </p:sp>
       <p:sp>
         <p:nvSpPr>
-          <p:cNvPr id="31" name="오른쪽 화살표 30"/>
+          <p:cNvPr id="32" name="오른쪽 화살표 31"/>
           <p:cNvSpPr/>
           <p:nvPr/>
         </p:nvSpPr>
         <p:spPr>
           <a:xfrm rot="5400000">
-            <a:off x="7286644" y="3071810"/>
-            <a:ext cx="1214446" cy="357190"/>
+            <a:off x="4158711" y="2363248"/>
+            <a:ext cx="3616838" cy="535714"/>
           </a:xfrm>
           <a:prstGeom prst="rightArrow">
             <a:avLst/>
@@ -3816,8 +3771,8 @@
           <a:p>
             <a:pPr algn="ctr"/>
             <a:r>
-              <a:rPr lang="en-US" altLang="ko-KR" dirty="0" smtClean="0"/>
-              <a:t>PULL</a:t>
+              <a:rPr lang="en-US" altLang="ko-KR" dirty="0"/>
+              <a:t>CLONE</a:t>
             </a:r>
             <a:endParaRPr lang="ko-KR" altLang="en-US" dirty="0"/>
           </a:p>
@@ -3825,16 +3780,16 @@
       </p:sp>
       <p:sp>
         <p:nvSpPr>
-          <p:cNvPr id="32" name="오른쪽 화살표 31"/>
+          <p:cNvPr id="33" name="왼쪽 화살표 32"/>
           <p:cNvSpPr/>
           <p:nvPr/>
         </p:nvSpPr>
         <p:spPr>
-          <a:xfrm rot="5400000">
-            <a:off x="4750595" y="2893215"/>
-            <a:ext cx="3571900" cy="357190"/>
-          </a:xfrm>
-          <a:prstGeom prst="rightArrow">
+          <a:xfrm>
+            <a:off x="2109478" y="46087"/>
+            <a:ext cx="1785950" cy="857256"/>
+          </a:xfrm>
+          <a:prstGeom prst="leftArrow">
             <a:avLst/>
           </a:prstGeom>
         </p:spPr>
@@ -3860,8 +3815,8 @@
           <a:p>
             <a:pPr algn="ctr"/>
             <a:r>
-              <a:rPr lang="en-US" altLang="ko-KR" dirty="0" smtClean="0"/>
-              <a:t>CLONE</a:t>
+              <a:rPr lang="en-US" altLang="ko-KR" dirty="0"/>
+              <a:t>PULL REQUEST</a:t>
             </a:r>
             <a:endParaRPr lang="ko-KR" altLang="en-US" dirty="0"/>
           </a:p>
@@ -3869,13 +3824,13 @@
       </p:sp>
       <p:sp>
         <p:nvSpPr>
-          <p:cNvPr id="33" name="왼쪽 화살표 32"/>
+          <p:cNvPr id="34" name="왼쪽 화살표 33"/>
           <p:cNvSpPr/>
           <p:nvPr/>
         </p:nvSpPr>
         <p:spPr>
           <a:xfrm>
-            <a:off x="2143108" y="142852"/>
+            <a:off x="2141956" y="689029"/>
             <a:ext cx="1785950" cy="857256"/>
           </a:xfrm>
           <a:prstGeom prst="leftArrow">
@@ -3904,8 +3859,8 @@
           <a:p>
             <a:pPr algn="ctr"/>
             <a:r>
-              <a:rPr lang="en-US" altLang="ko-KR" dirty="0" smtClean="0"/>
-              <a:t>PULL REQUEST</a:t>
+              <a:rPr lang="en-US" altLang="ko-KR" dirty="0"/>
+              <a:t>MERGE</a:t>
             </a:r>
             <a:endParaRPr lang="ko-KR" altLang="en-US" dirty="0"/>
           </a:p>
@@ -3913,16 +3868,16 @@
       </p:sp>
       <p:sp>
         <p:nvSpPr>
-          <p:cNvPr id="34" name="왼쪽 화살표 33"/>
+          <p:cNvPr id="35" name="왼쪽/오른쪽 화살표 34"/>
           <p:cNvSpPr/>
           <p:nvPr/>
         </p:nvSpPr>
         <p:spPr>
           <a:xfrm>
-            <a:off x="2143108" y="1000108"/>
-            <a:ext cx="1785950" cy="857256"/>
-          </a:xfrm>
-          <a:prstGeom prst="leftArrow">
+            <a:off x="2247262" y="1451576"/>
+            <a:ext cx="1785950" cy="642942"/>
+          </a:xfrm>
+          <a:prstGeom prst="leftRightArrow">
             <a:avLst/>
           </a:prstGeom>
         </p:spPr>
@@ -3948,8 +3903,8 @@
           <a:p>
             <a:pPr algn="ctr"/>
             <a:r>
-              <a:rPr lang="en-US" altLang="ko-KR" dirty="0" smtClean="0"/>
-              <a:t>MERGE</a:t>
+              <a:rPr lang="en-US" altLang="ko-KR" dirty="0"/>
+              <a:t>CONFLICT</a:t>
             </a:r>
             <a:endParaRPr lang="ko-KR" altLang="en-US" dirty="0"/>
           </a:p>
@@ -3957,16 +3912,22 @@
       </p:sp>
       <p:sp>
         <p:nvSpPr>
-          <p:cNvPr id="35" name="왼쪽/오른쪽 화살표 34"/>
+          <p:cNvPr id="2" name="순서도: 자기 디스크 1">
+            <a:extLst>
+              <a:ext uri="{FF2B5EF4-FFF2-40B4-BE49-F238E27FC236}">
+                <a16:creationId xmlns:a16="http://schemas.microsoft.com/office/drawing/2014/main" id="{A0E3FDE3-FD84-4D81-A4DB-836A4E24EF57}"/>
+              </a:ext>
+            </a:extLst>
+          </p:cNvPr>
           <p:cNvSpPr/>
           <p:nvPr/>
         </p:nvSpPr>
         <p:spPr>
           <a:xfrm>
-            <a:off x="2214546" y="1785926"/>
-            <a:ext cx="1785950" cy="642942"/>
-          </a:xfrm>
-          <a:prstGeom prst="leftRightArrow">
+            <a:off x="6951818" y="4394586"/>
+            <a:ext cx="1888211" cy="1656184"/>
+          </a:xfrm>
+          <a:prstGeom prst="flowChartMagneticDisk">
             <a:avLst/>
           </a:prstGeom>
         </p:spPr>
@@ -3992,8 +3953,69 @@
           <a:p>
             <a:pPr algn="ctr"/>
             <a:r>
-              <a:rPr lang="en-US" altLang="ko-KR" dirty="0" smtClean="0"/>
-              <a:t>CONFLICT</a:t>
+              <a:rPr lang="en-US" altLang="ko-KR" dirty="0"/>
+              <a:t>GIT </a:t>
+            </a:r>
+            <a:r>
+              <a:rPr lang="ko-KR" altLang="en-US" dirty="0"/>
+              <a:t>이외의</a:t>
+            </a:r>
+            <a:endParaRPr lang="en-US" altLang="ko-KR" dirty="0"/>
+          </a:p>
+          <a:p>
+            <a:pPr algn="ctr"/>
+            <a:r>
+              <a:rPr lang="ko-KR" altLang="en-US" dirty="0"/>
+              <a:t>코드저장공간</a:t>
+            </a:r>
+          </a:p>
+        </p:txBody>
+      </p:sp>
+      <p:sp>
+        <p:nvSpPr>
+          <p:cNvPr id="28" name="왼쪽 화살표 33">
+            <a:extLst>
+              <a:ext uri="{FF2B5EF4-FFF2-40B4-BE49-F238E27FC236}">
+                <a16:creationId xmlns:a16="http://schemas.microsoft.com/office/drawing/2014/main" id="{D1326FA7-4554-46AD-82A1-4102E32D200B}"/>
+              </a:ext>
+            </a:extLst>
+          </p:cNvPr>
+          <p:cNvSpPr/>
+          <p:nvPr/>
+        </p:nvSpPr>
+        <p:spPr>
+          <a:xfrm>
+            <a:off x="5558809" y="4546675"/>
+            <a:ext cx="1785950" cy="646331"/>
+          </a:xfrm>
+          <a:prstGeom prst="leftArrow">
+            <a:avLst/>
+          </a:prstGeom>
+        </p:spPr>
+        <p:style>
+          <a:lnRef idx="2">
+            <a:schemeClr val="accent1">
+              <a:shade val="50000"/>
+            </a:schemeClr>
+          </a:lnRef>
+          <a:fillRef idx="1">
+            <a:schemeClr val="accent1"/>
+          </a:fillRef>
+          <a:effectRef idx="0">
+            <a:schemeClr val="accent1"/>
+          </a:effectRef>
+          <a:fontRef idx="minor">
+            <a:schemeClr val="lt1"/>
+          </a:fontRef>
+        </p:style>
+        <p:txBody>
+          <a:bodyPr rtlCol="0" anchor="ctr"/>
+          <a:lstStyle/>
+          <a:p>
+            <a:pPr algn="ctr"/>
+            <a:r>
+              <a:rPr lang="en-US" altLang="ko-KR" dirty="0"/>
+              <a:t>COMMIT</a:t>
             </a:r>
             <a:endParaRPr lang="ko-KR" altLang="en-US" dirty="0"/>
           </a:p>
